--- a/slides.pptx
+++ b/slides.pptx
@@ -208,7 +208,7 @@
           <a:p>
             <a:fld id="{DC729383-BD9F-D740-9FFC-9F397C66B31C}" type="datetimeFigureOut">
               <a:rPr lang="en-US" smtClean="0"/>
-              <a:t>4/5/2018</a:t>
+              <a:t>4/5/18</a:t>
             </a:fld>
             <a:endParaRPr lang="en-US"/>
           </a:p>
@@ -367,7 +367,7 @@
           <a:p>
             <a:fld id="{B9B0BEFE-2E85-074C-BF69-D94702C31534}" type="slidenum">
               <a:rPr lang="en-US" smtClean="0"/>
-              <a:t>‹nº›</a:t>
+              <a:t>‹#›</a:t>
             </a:fld>
             <a:endParaRPr lang="en-US"/>
           </a:p>
@@ -691,7 +691,7 @@
           <a:p>
             <a:fld id="{AD634FB0-357E-1A41-BA8A-CB2406336D73}" type="datetimeFigureOut">
               <a:rPr lang="en-US" smtClean="0"/>
-              <a:t>4/5/2018</a:t>
+              <a:t>4/5/18</a:t>
             </a:fld>
             <a:endParaRPr lang="en-US"/>
           </a:p>
@@ -733,7 +733,7 @@
           <a:p>
             <a:fld id="{BA832DF4-02FE-4747-8B20-6257E795B93D}" type="slidenum">
               <a:rPr lang="en-US" smtClean="0"/>
-              <a:t>‹nº›</a:t>
+              <a:t>‹#›</a:t>
             </a:fld>
             <a:endParaRPr lang="en-US"/>
           </a:p>
@@ -861,7 +861,7 @@
           <a:p>
             <a:fld id="{AD634FB0-357E-1A41-BA8A-CB2406336D73}" type="datetimeFigureOut">
               <a:rPr lang="en-US" smtClean="0"/>
-              <a:t>4/5/2018</a:t>
+              <a:t>4/5/18</a:t>
             </a:fld>
             <a:endParaRPr lang="en-US"/>
           </a:p>
@@ -903,7 +903,7 @@
           <a:p>
             <a:fld id="{BA832DF4-02FE-4747-8B20-6257E795B93D}" type="slidenum">
               <a:rPr lang="en-US" smtClean="0"/>
-              <a:t>‹nº›</a:t>
+              <a:t>‹#›</a:t>
             </a:fld>
             <a:endParaRPr lang="en-US"/>
           </a:p>
@@ -1041,7 +1041,7 @@
           <a:p>
             <a:fld id="{AD634FB0-357E-1A41-BA8A-CB2406336D73}" type="datetimeFigureOut">
               <a:rPr lang="en-US" smtClean="0"/>
-              <a:t>4/5/2018</a:t>
+              <a:t>4/5/18</a:t>
             </a:fld>
             <a:endParaRPr lang="en-US"/>
           </a:p>
@@ -1083,7 +1083,7 @@
           <a:p>
             <a:fld id="{BA832DF4-02FE-4747-8B20-6257E795B93D}" type="slidenum">
               <a:rPr lang="en-US" smtClean="0"/>
-              <a:t>‹nº›</a:t>
+              <a:t>‹#›</a:t>
             </a:fld>
             <a:endParaRPr lang="en-US"/>
           </a:p>
@@ -1211,7 +1211,7 @@
           <a:p>
             <a:fld id="{AD634FB0-357E-1A41-BA8A-CB2406336D73}" type="datetimeFigureOut">
               <a:rPr lang="en-US" smtClean="0"/>
-              <a:t>4/5/2018</a:t>
+              <a:t>4/5/18</a:t>
             </a:fld>
             <a:endParaRPr lang="en-US"/>
           </a:p>
@@ -1253,7 +1253,7 @@
           <a:p>
             <a:fld id="{BA832DF4-02FE-4747-8B20-6257E795B93D}" type="slidenum">
               <a:rPr lang="en-US" smtClean="0"/>
-              <a:t>‹nº›</a:t>
+              <a:t>‹#›</a:t>
             </a:fld>
             <a:endParaRPr lang="en-US"/>
           </a:p>
@@ -1457,7 +1457,7 @@
           <a:p>
             <a:fld id="{AD634FB0-357E-1A41-BA8A-CB2406336D73}" type="datetimeFigureOut">
               <a:rPr lang="en-US" smtClean="0"/>
-              <a:t>4/5/2018</a:t>
+              <a:t>4/5/18</a:t>
             </a:fld>
             <a:endParaRPr lang="en-US"/>
           </a:p>
@@ -1499,7 +1499,7 @@
           <a:p>
             <a:fld id="{BA832DF4-02FE-4747-8B20-6257E795B93D}" type="slidenum">
               <a:rPr lang="en-US" smtClean="0"/>
-              <a:t>‹nº›</a:t>
+              <a:t>‹#›</a:t>
             </a:fld>
             <a:endParaRPr lang="en-US"/>
           </a:p>
@@ -1689,7 +1689,7 @@
           <a:p>
             <a:fld id="{AD634FB0-357E-1A41-BA8A-CB2406336D73}" type="datetimeFigureOut">
               <a:rPr lang="en-US" smtClean="0"/>
-              <a:t>4/5/2018</a:t>
+              <a:t>4/5/18</a:t>
             </a:fld>
             <a:endParaRPr lang="en-US"/>
           </a:p>
@@ -1731,7 +1731,7 @@
           <a:p>
             <a:fld id="{BA832DF4-02FE-4747-8B20-6257E795B93D}" type="slidenum">
               <a:rPr lang="en-US" smtClean="0"/>
-              <a:t>‹nº›</a:t>
+              <a:t>‹#›</a:t>
             </a:fld>
             <a:endParaRPr lang="en-US"/>
           </a:p>
@@ -2056,7 +2056,7 @@
           <a:p>
             <a:fld id="{AD634FB0-357E-1A41-BA8A-CB2406336D73}" type="datetimeFigureOut">
               <a:rPr lang="en-US" smtClean="0"/>
-              <a:t>4/5/2018</a:t>
+              <a:t>4/5/18</a:t>
             </a:fld>
             <a:endParaRPr lang="en-US"/>
           </a:p>
@@ -2098,7 +2098,7 @@
           <a:p>
             <a:fld id="{BA832DF4-02FE-4747-8B20-6257E795B93D}" type="slidenum">
               <a:rPr lang="en-US" smtClean="0"/>
-              <a:t>‹nº›</a:t>
+              <a:t>‹#›</a:t>
             </a:fld>
             <a:endParaRPr lang="en-US"/>
           </a:p>
@@ -2174,7 +2174,7 @@
           <a:p>
             <a:fld id="{AD634FB0-357E-1A41-BA8A-CB2406336D73}" type="datetimeFigureOut">
               <a:rPr lang="en-US" smtClean="0"/>
-              <a:t>4/5/2018</a:t>
+              <a:t>4/5/18</a:t>
             </a:fld>
             <a:endParaRPr lang="en-US"/>
           </a:p>
@@ -2216,7 +2216,7 @@
           <a:p>
             <a:fld id="{BA832DF4-02FE-4747-8B20-6257E795B93D}" type="slidenum">
               <a:rPr lang="en-US" smtClean="0"/>
-              <a:t>‹nº›</a:t>
+              <a:t>‹#›</a:t>
             </a:fld>
             <a:endParaRPr lang="en-US"/>
           </a:p>
@@ -2269,7 +2269,7 @@
           <a:p>
             <a:fld id="{AD634FB0-357E-1A41-BA8A-CB2406336D73}" type="datetimeFigureOut">
               <a:rPr lang="en-US" smtClean="0"/>
-              <a:t>4/5/2018</a:t>
+              <a:t>4/5/18</a:t>
             </a:fld>
             <a:endParaRPr lang="en-US"/>
           </a:p>
@@ -2311,7 +2311,7 @@
           <a:p>
             <a:fld id="{BA832DF4-02FE-4747-8B20-6257E795B93D}" type="slidenum">
               <a:rPr lang="en-US" smtClean="0"/>
-              <a:t>‹nº›</a:t>
+              <a:t>‹#›</a:t>
             </a:fld>
             <a:endParaRPr lang="en-US"/>
           </a:p>
@@ -2546,7 +2546,7 @@
           <a:p>
             <a:fld id="{AD634FB0-357E-1A41-BA8A-CB2406336D73}" type="datetimeFigureOut">
               <a:rPr lang="en-US" smtClean="0"/>
-              <a:t>4/5/2018</a:t>
+              <a:t>4/5/18</a:t>
             </a:fld>
             <a:endParaRPr lang="en-US"/>
           </a:p>
@@ -2588,7 +2588,7 @@
           <a:p>
             <a:fld id="{BA832DF4-02FE-4747-8B20-6257E795B93D}" type="slidenum">
               <a:rPr lang="en-US" smtClean="0"/>
-              <a:t>‹nº›</a:t>
+              <a:t>‹#›</a:t>
             </a:fld>
             <a:endParaRPr lang="en-US"/>
           </a:p>
@@ -2799,7 +2799,7 @@
           <a:p>
             <a:fld id="{AD634FB0-357E-1A41-BA8A-CB2406336D73}" type="datetimeFigureOut">
               <a:rPr lang="en-US" smtClean="0"/>
-              <a:t>4/5/2018</a:t>
+              <a:t>4/5/18</a:t>
             </a:fld>
             <a:endParaRPr lang="en-US"/>
           </a:p>
@@ -2841,7 +2841,7 @@
           <a:p>
             <a:fld id="{BA832DF4-02FE-4747-8B20-6257E795B93D}" type="slidenum">
               <a:rPr lang="en-US" smtClean="0"/>
-              <a:t>‹nº›</a:t>
+              <a:t>‹#›</a:t>
             </a:fld>
             <a:endParaRPr lang="en-US"/>
           </a:p>
@@ -3012,7 +3012,7 @@
           <a:p>
             <a:fld id="{AD634FB0-357E-1A41-BA8A-CB2406336D73}" type="datetimeFigureOut">
               <a:rPr lang="en-US" smtClean="0"/>
-              <a:t>4/5/2018</a:t>
+              <a:t>4/5/18</a:t>
             </a:fld>
             <a:endParaRPr lang="en-US"/>
           </a:p>
@@ -3090,7 +3090,7 @@
           <a:p>
             <a:fld id="{BA832DF4-02FE-4747-8B20-6257E795B93D}" type="slidenum">
               <a:rPr lang="en-US" smtClean="0"/>
-              <a:t>‹nº›</a:t>
+              <a:t>‹#›</a:t>
             </a:fld>
             <a:endParaRPr lang="en-US"/>
           </a:p>
@@ -3561,8 +3561,8 @@
         </p:nvSpPr>
         <p:spPr>
           <a:xfrm>
-            <a:off x="954910" y="2327931"/>
-            <a:ext cx="10282177" cy="1518060"/>
+            <a:off x="383894" y="2327931"/>
+            <a:ext cx="11424212" cy="1518060"/>
           </a:xfrm>
           <a:prstGeom prst="rect">
             <a:avLst/>
@@ -3593,7 +3593,7 @@
           </a:lstStyle>
           <a:p>
             <a:r>
-              <a:rPr lang="en-US" b="1" dirty="0">
+              <a:rPr lang="en-US" b="1" smtClean="0">
                 <a:solidFill>
                   <a:schemeClr val="tx1">
                     <a:lumMod val="50000"/>
@@ -3604,8 +3604,75 @@
                 <a:ea typeface="Helvetica" charset="0"/>
                 <a:cs typeface="Helvetica" charset="0"/>
               </a:rPr>
-              <a:t>https://github.com/claudineyjr/asynchronousCode</a:t>
-            </a:r>
+              <a:t>github.com</a:t>
+            </a:r>
+            <a:r>
+              <a:rPr lang="en-US" b="1" dirty="0" smtClean="0">
+                <a:solidFill>
+                  <a:schemeClr val="tx1">
+                    <a:lumMod val="50000"/>
+                    <a:lumOff val="50000"/>
+                  </a:schemeClr>
+                </a:solidFill>
+                <a:latin typeface="Helvetica" charset="0"/>
+                <a:ea typeface="Helvetica" charset="0"/>
+                <a:cs typeface="Helvetica" charset="0"/>
+              </a:rPr>
+              <a:t>/</a:t>
+            </a:r>
+            <a:r>
+              <a:rPr lang="en-US" b="1" dirty="0" err="1" smtClean="0">
+                <a:solidFill>
+                  <a:schemeClr val="tx1">
+                    <a:lumMod val="50000"/>
+                    <a:lumOff val="50000"/>
+                  </a:schemeClr>
+                </a:solidFill>
+                <a:latin typeface="Helvetica" charset="0"/>
+                <a:ea typeface="Helvetica" charset="0"/>
+                <a:cs typeface="Helvetica" charset="0"/>
+              </a:rPr>
+              <a:t>claudineyjr</a:t>
+            </a:r>
+            <a:r>
+              <a:rPr lang="en-US" b="1" dirty="0" smtClean="0">
+                <a:solidFill>
+                  <a:schemeClr val="tx1">
+                    <a:lumMod val="50000"/>
+                    <a:lumOff val="50000"/>
+                  </a:schemeClr>
+                </a:solidFill>
+                <a:latin typeface="Helvetica" charset="0"/>
+                <a:ea typeface="Helvetica" charset="0"/>
+                <a:cs typeface="Helvetica" charset="0"/>
+              </a:rPr>
+              <a:t>/</a:t>
+            </a:r>
+            <a:r>
+              <a:rPr lang="en-US" b="1" dirty="0" err="1" smtClean="0">
+                <a:solidFill>
+                  <a:schemeClr val="tx1">
+                    <a:lumMod val="50000"/>
+                    <a:lumOff val="50000"/>
+                  </a:schemeClr>
+                </a:solidFill>
+                <a:latin typeface="Helvetica" charset="0"/>
+                <a:ea typeface="Helvetica" charset="0"/>
+                <a:cs typeface="Helvetica" charset="0"/>
+              </a:rPr>
+              <a:t>asynchronousCode</a:t>
+            </a:r>
+            <a:endParaRPr lang="en-US" b="1" dirty="0">
+              <a:solidFill>
+                <a:schemeClr val="tx1">
+                  <a:lumMod val="50000"/>
+                  <a:lumOff val="50000"/>
+                </a:schemeClr>
+              </a:solidFill>
+              <a:latin typeface="Helvetica" charset="0"/>
+              <a:ea typeface="Helvetica" charset="0"/>
+              <a:cs typeface="Helvetica" charset="0"/>
+            </a:endParaRPr>
           </a:p>
         </p:txBody>
       </p:sp>
@@ -4161,7 +4228,7 @@
         </p:spPr>
         <p:txBody>
           <a:bodyPr>
-            <a:normAutofit lnSpcReduction="10000"/>
+            <a:normAutofit/>
           </a:bodyPr>
           <a:lstStyle/>
           <a:p>
@@ -4510,7 +4577,13 @@
               <a:rPr lang="en-US" sz="2400" dirty="0" err="1" smtClean="0">
                 <a:latin typeface="HELVE"/>
               </a:rPr>
-              <a:t>isso.T</a:t>
+              <a:t>isso</a:t>
+            </a:r>
+            <a:r>
+              <a:rPr lang="en-US" sz="2400">
+                <a:latin typeface="HELVE"/>
+              </a:rPr>
+              <a:t>.</a:t>
             </a:r>
             <a:endParaRPr lang="en-US" sz="2400" dirty="0" smtClean="0">
               <a:latin typeface="HELVE"/>
